--- a/PROJECT_PRESENTATION/[PPT] Presentazione progetto basi di dati 2 - Coronavirus Regione Campania - Gianmarco Beato, Alfonso Golino.pptx
+++ b/PROJECT_PRESENTATION/[PPT] Presentazione progetto basi di dati 2 - Coronavirus Regione Campania - Gianmarco Beato, Alfonso Golino.pptx
@@ -141,6 +141,913 @@
 <p1510:revInfo xmlns:a="http://schemas.openxmlformats.org/drawingml/2006/main" xmlns:r="http://schemas.openxmlformats.org/officeDocument/2006/relationships" xmlns:p1510="http://schemas.microsoft.com/office/powerpoint/2015/10/main"/>
 </file>
 
+<file path=ppt/charts/chart1.xml><?xml version="1.0" encoding="utf-8"?>
+<c:chartSpace xmlns:c="http://schemas.openxmlformats.org/drawingml/2006/chart" xmlns:a="http://schemas.openxmlformats.org/drawingml/2006/main" xmlns:r="http://schemas.openxmlformats.org/officeDocument/2006/relationships" xmlns:c16r2="http://schemas.microsoft.com/office/drawing/2015/06/chart">
+  <c:date1904 val="0"/>
+  <c:lang val="it-IT"/>
+  <c:roundedCorners val="0"/>
+  <mc:AlternateContent xmlns:mc="http://schemas.openxmlformats.org/markup-compatibility/2006">
+    <mc:Choice xmlns:c14="http://schemas.microsoft.com/office/drawing/2007/8/2/chart" Requires="c14">
+      <c14:style val="102"/>
+    </mc:Choice>
+    <mc:Fallback>
+      <c:style val="2"/>
+    </mc:Fallback>
+  </mc:AlternateContent>
+  <c:chart>
+    <c:autoTitleDeleted val="1"/>
+    <c:plotArea>
+      <c:layout/>
+      <c:doughnutChart>
+        <c:varyColors val="1"/>
+        <c:ser>
+          <c:idx val="0"/>
+          <c:order val="0"/>
+          <c:tx>
+            <c:strRef>
+              <c:f>Foglio1!$B$1</c:f>
+              <c:strCache>
+                <c:ptCount val="1"/>
+                <c:pt idx="0">
+                  <c:v>Percentuali di utilizzo</c:v>
+                </c:pt>
+              </c:strCache>
+            </c:strRef>
+          </c:tx>
+          <c:dPt>
+            <c:idx val="0"/>
+            <c:bubble3D val="0"/>
+            <c:spPr>
+              <a:solidFill>
+                <a:schemeClr val="accent2"/>
+              </a:solidFill>
+              <a:ln w="19050">
+                <a:solidFill>
+                  <a:schemeClr val="lt1"/>
+                </a:solidFill>
+              </a:ln>
+              <a:effectLst/>
+            </c:spPr>
+            <c:extLst>
+              <c:ext xmlns:c16="http://schemas.microsoft.com/office/drawing/2014/chart" uri="{C3380CC4-5D6E-409C-BE32-E72D297353CC}">
+                <c16:uniqueId val="{00000002-126A-4CD0-B1EF-90FED762528A}"/>
+              </c:ext>
+            </c:extLst>
+          </c:dPt>
+          <c:dPt>
+            <c:idx val="1"/>
+            <c:bubble3D val="0"/>
+            <c:spPr>
+              <a:solidFill>
+                <a:schemeClr val="accent4"/>
+              </a:solidFill>
+              <a:ln w="19050">
+                <a:solidFill>
+                  <a:schemeClr val="lt1"/>
+                </a:solidFill>
+              </a:ln>
+              <a:effectLst/>
+            </c:spPr>
+            <c:extLst>
+              <c:ext xmlns:c16="http://schemas.microsoft.com/office/drawing/2014/chart" uri="{C3380CC4-5D6E-409C-BE32-E72D297353CC}">
+                <c16:uniqueId val="{00000003-126A-4CD0-B1EF-90FED762528A}"/>
+              </c:ext>
+            </c:extLst>
+          </c:dPt>
+          <c:dPt>
+            <c:idx val="2"/>
+            <c:bubble3D val="0"/>
+            <c:spPr>
+              <a:solidFill>
+                <a:schemeClr val="accent6"/>
+              </a:solidFill>
+              <a:ln w="19050">
+                <a:solidFill>
+                  <a:schemeClr val="lt1"/>
+                </a:solidFill>
+              </a:ln>
+              <a:effectLst/>
+            </c:spPr>
+            <c:extLst>
+              <c:ext xmlns:c16="http://schemas.microsoft.com/office/drawing/2014/chart" uri="{C3380CC4-5D6E-409C-BE32-E72D297353CC}">
+                <c16:uniqueId val="{00000001-126A-4CD0-B1EF-90FED762528A}"/>
+              </c:ext>
+            </c:extLst>
+          </c:dPt>
+          <c:dPt>
+            <c:idx val="3"/>
+            <c:bubble3D val="0"/>
+            <c:spPr>
+              <a:solidFill>
+                <a:schemeClr val="accent2">
+                  <a:lumMod val="60000"/>
+                </a:schemeClr>
+              </a:solidFill>
+              <a:ln w="19050">
+                <a:solidFill>
+                  <a:schemeClr val="lt1"/>
+                </a:solidFill>
+              </a:ln>
+              <a:effectLst/>
+            </c:spPr>
+          </c:dPt>
+          <c:dLbls>
+            <c:dLbl>
+              <c:idx val="0"/>
+              <c:layout>
+                <c:manualLayout>
+                  <c:x val="9.6215355724553239E-2"/>
+                  <c:y val="-0.10634331705819376"/>
+                </c:manualLayout>
+              </c:layout>
+              <c:showLegendKey val="0"/>
+              <c:showVal val="0"/>
+              <c:showCatName val="0"/>
+              <c:showSerName val="0"/>
+              <c:showPercent val="1"/>
+              <c:showBubbleSize val="0"/>
+              <c:extLst>
+                <c:ext xmlns:c15="http://schemas.microsoft.com/office/drawing/2012/chart" uri="{CE6537A1-D6FC-4f65-9D91-7224C49458BB}"/>
+                <c:ext xmlns:c16="http://schemas.microsoft.com/office/drawing/2014/chart" uri="{C3380CC4-5D6E-409C-BE32-E72D297353CC}">
+                  <c16:uniqueId val="{00000002-126A-4CD0-B1EF-90FED762528A}"/>
+                </c:ext>
+              </c:extLst>
+            </c:dLbl>
+            <c:dLbl>
+              <c:idx val="1"/>
+              <c:layout>
+                <c:manualLayout>
+                  <c:x val="0.13229611412126072"/>
+                  <c:y val="0.10634331705819376"/>
+                </c:manualLayout>
+              </c:layout>
+              <c:showLegendKey val="0"/>
+              <c:showVal val="0"/>
+              <c:showCatName val="0"/>
+              <c:showSerName val="0"/>
+              <c:showPercent val="1"/>
+              <c:showBubbleSize val="0"/>
+              <c:extLst>
+                <c:ext xmlns:c15="http://schemas.microsoft.com/office/drawing/2012/chart" uri="{CE6537A1-D6FC-4f65-9D91-7224C49458BB}"/>
+                <c:ext xmlns:c16="http://schemas.microsoft.com/office/drawing/2014/chart" uri="{C3380CC4-5D6E-409C-BE32-E72D297353CC}">
+                  <c16:uniqueId val="{00000003-126A-4CD0-B1EF-90FED762528A}"/>
+                </c:ext>
+              </c:extLst>
+            </c:dLbl>
+            <c:dLbl>
+              <c:idx val="2"/>
+              <c:layout>
+                <c:manualLayout>
+                  <c:x val="0.19844417118189106"/>
+                  <c:y val="2.0255869915846429E-2"/>
+                </c:manualLayout>
+              </c:layout>
+              <c:showLegendKey val="0"/>
+              <c:showVal val="0"/>
+              <c:showCatName val="0"/>
+              <c:showSerName val="0"/>
+              <c:showPercent val="1"/>
+              <c:showBubbleSize val="0"/>
+              <c:extLst>
+                <c:ext xmlns:c15="http://schemas.microsoft.com/office/drawing/2012/chart" uri="{CE6537A1-D6FC-4f65-9D91-7224C49458BB}"/>
+                <c:ext xmlns:c16="http://schemas.microsoft.com/office/drawing/2014/chart" uri="{C3380CC4-5D6E-409C-BE32-E72D297353CC}">
+                  <c16:uniqueId val="{00000001-126A-4CD0-B1EF-90FED762528A}"/>
+                </c:ext>
+              </c:extLst>
+            </c:dLbl>
+            <c:spPr>
+              <a:noFill/>
+              <a:ln>
+                <a:noFill/>
+              </a:ln>
+              <a:effectLst/>
+            </c:spPr>
+            <c:txPr>
+              <a:bodyPr rot="0" spcFirstLastPara="1" vertOverflow="ellipsis" vert="horz" wrap="square" lIns="38100" tIns="19050" rIns="38100" bIns="19050" anchor="ctr" anchorCtr="1">
+                <a:spAutoFit/>
+              </a:bodyPr>
+              <a:lstStyle/>
+              <a:p>
+                <a:pPr>
+                  <a:defRPr sz="1197" b="0" i="0" u="none" strike="noStrike" kern="1200" baseline="0">
+                    <a:solidFill>
+                      <a:schemeClr val="tx1">
+                        <a:lumMod val="75000"/>
+                        <a:lumOff val="25000"/>
+                      </a:schemeClr>
+                    </a:solidFill>
+                    <a:latin typeface="+mn-lt"/>
+                    <a:ea typeface="+mn-ea"/>
+                    <a:cs typeface="+mn-cs"/>
+                  </a:defRPr>
+                </a:pPr>
+                <a:endParaRPr lang="it-IT"/>
+              </a:p>
+            </c:txPr>
+            <c:showLegendKey val="0"/>
+            <c:showVal val="0"/>
+            <c:showCatName val="0"/>
+            <c:showSerName val="0"/>
+            <c:showPercent val="1"/>
+            <c:showBubbleSize val="0"/>
+            <c:showLeaderLines val="1"/>
+            <c:leaderLines>
+              <c:spPr>
+                <a:ln w="9525" cap="flat" cmpd="sng" algn="ctr">
+                  <a:solidFill>
+                    <a:schemeClr val="tx1">
+                      <a:lumMod val="35000"/>
+                      <a:lumOff val="65000"/>
+                    </a:schemeClr>
+                  </a:solidFill>
+                  <a:round/>
+                </a:ln>
+                <a:effectLst/>
+              </c:spPr>
+            </c:leaderLines>
+            <c:extLst>
+              <c:ext xmlns:c15="http://schemas.microsoft.com/office/drawing/2012/chart" uri="{CE6537A1-D6FC-4f65-9D91-7224C49458BB}"/>
+            </c:extLst>
+          </c:dLbls>
+          <c:cat>
+            <c:strRef>
+              <c:f>Foglio1!$A$2:$A$5</c:f>
+              <c:strCache>
+                <c:ptCount val="3"/>
+                <c:pt idx="0">
+                  <c:v>HTML</c:v>
+                </c:pt>
+                <c:pt idx="1">
+                  <c:v>CSS</c:v>
+                </c:pt>
+                <c:pt idx="2">
+                  <c:v>JavaScript</c:v>
+                </c:pt>
+              </c:strCache>
+            </c:strRef>
+          </c:cat>
+          <c:val>
+            <c:numRef>
+              <c:f>Foglio1!$B$2:$B$5</c:f>
+              <c:numCache>
+                <c:formatCode>General</c:formatCode>
+                <c:ptCount val="4"/>
+                <c:pt idx="0">
+                  <c:v>30.4</c:v>
+                </c:pt>
+                <c:pt idx="1">
+                  <c:v>21.4</c:v>
+                </c:pt>
+                <c:pt idx="2">
+                  <c:v>48.2</c:v>
+                </c:pt>
+              </c:numCache>
+            </c:numRef>
+          </c:val>
+          <c:extLst>
+            <c:ext xmlns:c16="http://schemas.microsoft.com/office/drawing/2014/chart" uri="{C3380CC4-5D6E-409C-BE32-E72D297353CC}">
+              <c16:uniqueId val="{00000000-126A-4CD0-B1EF-90FED762528A}"/>
+            </c:ext>
+          </c:extLst>
+        </c:ser>
+        <c:dLbls>
+          <c:showLegendKey val="0"/>
+          <c:showVal val="0"/>
+          <c:showCatName val="0"/>
+          <c:showSerName val="0"/>
+          <c:showPercent val="1"/>
+          <c:showBubbleSize val="0"/>
+          <c:showLeaderLines val="1"/>
+        </c:dLbls>
+        <c:firstSliceAng val="0"/>
+        <c:holeSize val="75"/>
+      </c:doughnutChart>
+      <c:spPr>
+        <a:noFill/>
+        <a:ln>
+          <a:noFill/>
+        </a:ln>
+        <a:effectLst/>
+      </c:spPr>
+    </c:plotArea>
+    <c:legend>
+      <c:legendPos val="b"/>
+      <c:legendEntry>
+        <c:idx val="3"/>
+        <c:delete val="1"/>
+      </c:legendEntry>
+      <c:overlay val="0"/>
+      <c:spPr>
+        <a:noFill/>
+        <a:ln>
+          <a:noFill/>
+        </a:ln>
+        <a:effectLst/>
+      </c:spPr>
+      <c:txPr>
+        <a:bodyPr rot="0" spcFirstLastPara="1" vertOverflow="ellipsis" vert="horz" wrap="square" anchor="ctr" anchorCtr="1"/>
+        <a:lstStyle/>
+        <a:p>
+          <a:pPr>
+            <a:defRPr sz="1197" b="0" i="0" u="none" strike="noStrike" kern="1200" baseline="0">
+              <a:solidFill>
+                <a:schemeClr val="tx1">
+                  <a:lumMod val="65000"/>
+                  <a:lumOff val="35000"/>
+                </a:schemeClr>
+              </a:solidFill>
+              <a:latin typeface="+mn-lt"/>
+              <a:ea typeface="+mn-ea"/>
+              <a:cs typeface="+mn-cs"/>
+            </a:defRPr>
+          </a:pPr>
+          <a:endParaRPr lang="it-IT"/>
+        </a:p>
+      </c:txPr>
+    </c:legend>
+    <c:plotVisOnly val="1"/>
+    <c:dispBlanksAs val="gap"/>
+    <c:showDLblsOverMax val="0"/>
+  </c:chart>
+  <c:spPr>
+    <a:noFill/>
+    <a:ln>
+      <a:noFill/>
+    </a:ln>
+    <a:effectLst/>
+  </c:spPr>
+  <c:txPr>
+    <a:bodyPr/>
+    <a:lstStyle/>
+    <a:p>
+      <a:pPr>
+        <a:defRPr/>
+      </a:pPr>
+      <a:endParaRPr lang="it-IT"/>
+    </a:p>
+  </c:txPr>
+  <c:externalData r:id="rId3">
+    <c:autoUpdate val="0"/>
+  </c:externalData>
+</c:chartSpace>
+</file>
+
+<file path=ppt/charts/colors1.xml><?xml version="1.0" encoding="utf-8"?>
+<cs:colorStyle xmlns:cs="http://schemas.microsoft.com/office/drawing/2012/chartStyle" xmlns:a="http://schemas.openxmlformats.org/drawingml/2006/main" meth="cycle" id="12">
+  <a:schemeClr val="accent2"/>
+  <a:schemeClr val="accent4"/>
+  <a:schemeClr val="accent6"/>
+  <cs:variation/>
+  <cs:variation>
+    <a:lumMod val="60000"/>
+  </cs:variation>
+  <cs:variation>
+    <a:lumMod val="80000"/>
+    <a:lumOff val="20000"/>
+  </cs:variation>
+  <cs:variation>
+    <a:lumMod val="80000"/>
+  </cs:variation>
+  <cs:variation>
+    <a:lumMod val="60000"/>
+    <a:lumOff val="40000"/>
+  </cs:variation>
+  <cs:variation>
+    <a:lumMod val="50000"/>
+  </cs:variation>
+  <cs:variation>
+    <a:lumMod val="70000"/>
+    <a:lumOff val="30000"/>
+  </cs:variation>
+  <cs:variation>
+    <a:lumMod val="70000"/>
+  </cs:variation>
+  <cs:variation>
+    <a:lumMod val="50000"/>
+    <a:lumOff val="50000"/>
+  </cs:variation>
+</cs:colorStyle>
+</file>
+
+<file path=ppt/charts/style1.xml><?xml version="1.0" encoding="utf-8"?>
+<cs:chartStyle xmlns:cs="http://schemas.microsoft.com/office/drawing/2012/chartStyle" xmlns:a="http://schemas.openxmlformats.org/drawingml/2006/main" id="251">
+  <cs:axisTitle>
+    <cs:lnRef idx="0"/>
+    <cs:fillRef idx="0"/>
+    <cs:effectRef idx="0"/>
+    <cs:fontRef idx="minor">
+      <a:schemeClr val="tx1">
+        <a:lumMod val="65000"/>
+        <a:lumOff val="35000"/>
+      </a:schemeClr>
+    </cs:fontRef>
+    <cs:defRPr sz="1330" kern="1200"/>
+  </cs:axisTitle>
+  <cs:categoryAxis>
+    <cs:lnRef idx="0"/>
+    <cs:fillRef idx="0"/>
+    <cs:effectRef idx="0"/>
+    <cs:fontRef idx="minor">
+      <a:schemeClr val="tx1">
+        <a:lumMod val="65000"/>
+        <a:lumOff val="35000"/>
+      </a:schemeClr>
+    </cs:fontRef>
+    <cs:spPr>
+      <a:ln w="9525" cap="flat" cmpd="sng" algn="ctr">
+        <a:solidFill>
+          <a:schemeClr val="tx1">
+            <a:lumMod val="15000"/>
+            <a:lumOff val="85000"/>
+          </a:schemeClr>
+        </a:solidFill>
+        <a:round/>
+      </a:ln>
+    </cs:spPr>
+    <cs:defRPr sz="1197" kern="1200"/>
+  </cs:categoryAxis>
+  <cs:chartArea mods="allowNoFillOverride allowNoLineOverride">
+    <cs:lnRef idx="0"/>
+    <cs:fillRef idx="0"/>
+    <cs:effectRef idx="0"/>
+    <cs:fontRef idx="minor">
+      <a:schemeClr val="tx1"/>
+    </cs:fontRef>
+    <cs:spPr>
+      <a:solidFill>
+        <a:schemeClr val="bg1"/>
+      </a:solidFill>
+      <a:ln w="9525" cap="flat" cmpd="sng" algn="ctr">
+        <a:solidFill>
+          <a:schemeClr val="tx1">
+            <a:lumMod val="15000"/>
+            <a:lumOff val="85000"/>
+          </a:schemeClr>
+        </a:solidFill>
+        <a:round/>
+      </a:ln>
+    </cs:spPr>
+    <cs:defRPr sz="1197" kern="1200"/>
+  </cs:chartArea>
+  <cs:dataLabel>
+    <cs:lnRef idx="0"/>
+    <cs:fillRef idx="0"/>
+    <cs:effectRef idx="0"/>
+    <cs:fontRef idx="minor">
+      <a:schemeClr val="tx1">
+        <a:lumMod val="75000"/>
+        <a:lumOff val="25000"/>
+      </a:schemeClr>
+    </cs:fontRef>
+    <cs:defRPr sz="1197" kern="1200"/>
+  </cs:dataLabel>
+  <cs:dataLabelCallout>
+    <cs:lnRef idx="0"/>
+    <cs:fillRef idx="0"/>
+    <cs:effectRef idx="0"/>
+    <cs:fontRef idx="minor">
+      <a:schemeClr val="dk1">
+        <a:lumMod val="65000"/>
+        <a:lumOff val="35000"/>
+      </a:schemeClr>
+    </cs:fontRef>
+    <cs:spPr>
+      <a:solidFill>
+        <a:schemeClr val="lt1"/>
+      </a:solidFill>
+      <a:ln>
+        <a:solidFill>
+          <a:schemeClr val="dk1">
+            <a:lumMod val="25000"/>
+            <a:lumOff val="75000"/>
+          </a:schemeClr>
+        </a:solidFill>
+      </a:ln>
+    </cs:spPr>
+    <cs:defRPr sz="1197" kern="1200"/>
+    <cs:bodyPr rot="0" spcFirstLastPara="1" vertOverflow="clip" horzOverflow="clip" vert="horz" wrap="square" lIns="36576" tIns="18288" rIns="36576" bIns="18288" anchor="ctr" anchorCtr="1">
+      <a:spAutoFit/>
+    </cs:bodyPr>
+  </cs:dataLabelCallout>
+  <cs:dataPoint>
+    <cs:lnRef idx="0"/>
+    <cs:fillRef idx="1">
+      <cs:styleClr val="auto"/>
+    </cs:fillRef>
+    <cs:effectRef idx="0"/>
+    <cs:fontRef idx="minor">
+      <a:schemeClr val="tx1"/>
+    </cs:fontRef>
+    <cs:spPr>
+      <a:ln w="19050">
+        <a:solidFill>
+          <a:schemeClr val="lt1"/>
+        </a:solidFill>
+      </a:ln>
+    </cs:spPr>
+  </cs:dataPoint>
+  <cs:dataPoint3D>
+    <cs:lnRef idx="0"/>
+    <cs:fillRef idx="1">
+      <cs:styleClr val="auto"/>
+    </cs:fillRef>
+    <cs:effectRef idx="0"/>
+    <cs:fontRef idx="minor">
+      <a:schemeClr val="tx1"/>
+    </cs:fontRef>
+    <cs:spPr>
+      <a:ln w="25400">
+        <a:solidFill>
+          <a:schemeClr val="lt1"/>
+        </a:solidFill>
+      </a:ln>
+    </cs:spPr>
+  </cs:dataPoint3D>
+  <cs:dataPointLine>
+    <cs:lnRef idx="0">
+      <cs:styleClr val="auto"/>
+    </cs:lnRef>
+    <cs:fillRef idx="0"/>
+    <cs:effectRef idx="0"/>
+    <cs:fontRef idx="minor">
+      <a:schemeClr val="tx1"/>
+    </cs:fontRef>
+    <cs:spPr>
+      <a:ln w="28575" cap="rnd">
+        <a:solidFill>
+          <a:schemeClr val="phClr"/>
+        </a:solidFill>
+        <a:round/>
+      </a:ln>
+    </cs:spPr>
+  </cs:dataPointLine>
+  <cs:dataPointMarker>
+    <cs:lnRef idx="0">
+      <cs:styleClr val="auto"/>
+    </cs:lnRef>
+    <cs:fillRef idx="1">
+      <cs:styleClr val="auto"/>
+    </cs:fillRef>
+    <cs:effectRef idx="0"/>
+    <cs:fontRef idx="minor">
+      <a:schemeClr val="tx1"/>
+    </cs:fontRef>
+    <cs:spPr>
+      <a:ln w="9525">
+        <a:solidFill>
+          <a:schemeClr val="phClr"/>
+        </a:solidFill>
+      </a:ln>
+    </cs:spPr>
+  </cs:dataPointMarker>
+  <cs:dataPointMarkerLayout symbol="circle" size="5"/>
+  <cs:dataPointWireframe>
+    <cs:lnRef idx="0">
+      <cs:styleClr val="auto"/>
+    </cs:lnRef>
+    <cs:fillRef idx="0"/>
+    <cs:effectRef idx="0"/>
+    <cs:fontRef idx="minor">
+      <a:schemeClr val="tx1"/>
+    </cs:fontRef>
+    <cs:spPr>
+      <a:ln w="9525" cap="rnd">
+        <a:solidFill>
+          <a:schemeClr val="phClr"/>
+        </a:solidFill>
+        <a:round/>
+      </a:ln>
+    </cs:spPr>
+  </cs:dataPointWireframe>
+  <cs:dataTable>
+    <cs:lnRef idx="0"/>
+    <cs:fillRef idx="0"/>
+    <cs:effectRef idx="0"/>
+    <cs:fontRef idx="minor">
+      <a:schemeClr val="tx1">
+        <a:lumMod val="65000"/>
+        <a:lumOff val="35000"/>
+      </a:schemeClr>
+    </cs:fontRef>
+    <cs:spPr>
+      <a:noFill/>
+      <a:ln w="9525" cap="flat" cmpd="sng" algn="ctr">
+        <a:solidFill>
+          <a:schemeClr val="tx1">
+            <a:lumMod val="15000"/>
+            <a:lumOff val="85000"/>
+          </a:schemeClr>
+        </a:solidFill>
+        <a:round/>
+      </a:ln>
+    </cs:spPr>
+    <cs:defRPr sz="1197" kern="1200"/>
+  </cs:dataTable>
+  <cs:downBar>
+    <cs:lnRef idx="0"/>
+    <cs:fillRef idx="0"/>
+    <cs:effectRef idx="0"/>
+    <cs:fontRef idx="minor">
+      <a:schemeClr val="tx1"/>
+    </cs:fontRef>
+    <cs:spPr>
+      <a:solidFill>
+        <a:schemeClr val="dk1">
+          <a:lumMod val="75000"/>
+          <a:lumOff val="25000"/>
+        </a:schemeClr>
+      </a:solidFill>
+      <a:ln w="9525" cap="flat" cmpd="sng" algn="ctr">
+        <a:solidFill>
+          <a:schemeClr val="tx1">
+            <a:lumMod val="65000"/>
+            <a:lumOff val="35000"/>
+          </a:schemeClr>
+        </a:solidFill>
+        <a:round/>
+      </a:ln>
+    </cs:spPr>
+  </cs:downBar>
+  <cs:dropLine>
+    <cs:lnRef idx="0"/>
+    <cs:fillRef idx="0"/>
+    <cs:effectRef idx="0"/>
+    <cs:fontRef idx="minor">
+      <a:schemeClr val="tx1"/>
+    </cs:fontRef>
+    <cs:spPr>
+      <a:ln w="9525" cap="flat" cmpd="sng" algn="ctr">
+        <a:solidFill>
+          <a:schemeClr val="tx1">
+            <a:lumMod val="35000"/>
+            <a:lumOff val="65000"/>
+          </a:schemeClr>
+        </a:solidFill>
+        <a:round/>
+      </a:ln>
+    </cs:spPr>
+  </cs:dropLine>
+  <cs:errorBar>
+    <cs:lnRef idx="0"/>
+    <cs:fillRef idx="0"/>
+    <cs:effectRef idx="0"/>
+    <cs:fontRef idx="minor">
+      <a:schemeClr val="tx1"/>
+    </cs:fontRef>
+    <cs:spPr>
+      <a:ln w="9525" cap="flat" cmpd="sng" algn="ctr">
+        <a:solidFill>
+          <a:schemeClr val="tx1">
+            <a:lumMod val="65000"/>
+            <a:lumOff val="35000"/>
+          </a:schemeClr>
+        </a:solidFill>
+        <a:round/>
+      </a:ln>
+    </cs:spPr>
+  </cs:errorBar>
+  <cs:floor>
+    <cs:lnRef idx="0"/>
+    <cs:fillRef idx="0"/>
+    <cs:effectRef idx="0"/>
+    <cs:fontRef idx="minor">
+      <a:schemeClr val="tx1"/>
+    </cs:fontRef>
+    <cs:spPr>
+      <a:noFill/>
+      <a:ln>
+        <a:noFill/>
+      </a:ln>
+    </cs:spPr>
+  </cs:floor>
+  <cs:gridlineMajor>
+    <cs:lnRef idx="0"/>
+    <cs:fillRef idx="0"/>
+    <cs:effectRef idx="0"/>
+    <cs:fontRef idx="minor">
+      <a:schemeClr val="tx1"/>
+    </cs:fontRef>
+    <cs:spPr>
+      <a:ln w="9525" cap="flat" cmpd="sng" algn="ctr">
+        <a:solidFill>
+          <a:schemeClr val="tx1">
+            <a:lumMod val="15000"/>
+            <a:lumOff val="85000"/>
+          </a:schemeClr>
+        </a:solidFill>
+        <a:round/>
+      </a:ln>
+    </cs:spPr>
+  </cs:gridlineMajor>
+  <cs:gridlineMinor>
+    <cs:lnRef idx="0"/>
+    <cs:fillRef idx="0"/>
+    <cs:effectRef idx="0"/>
+    <cs:fontRef idx="minor">
+      <a:schemeClr val="tx1"/>
+    </cs:fontRef>
+    <cs:spPr>
+      <a:ln w="9525" cap="flat" cmpd="sng" algn="ctr">
+        <a:solidFill>
+          <a:schemeClr val="tx1">
+            <a:lumMod val="5000"/>
+            <a:lumOff val="95000"/>
+          </a:schemeClr>
+        </a:solidFill>
+        <a:round/>
+      </a:ln>
+    </cs:spPr>
+  </cs:gridlineMinor>
+  <cs:hiLoLine>
+    <cs:lnRef idx="0"/>
+    <cs:fillRef idx="0"/>
+    <cs:effectRef idx="0"/>
+    <cs:fontRef idx="minor">
+      <a:schemeClr val="tx1"/>
+    </cs:fontRef>
+    <cs:spPr>
+      <a:ln w="9525" cap="flat" cmpd="sng" algn="ctr">
+        <a:solidFill>
+          <a:schemeClr val="tx1">
+            <a:lumMod val="50000"/>
+            <a:lumOff val="50000"/>
+          </a:schemeClr>
+        </a:solidFill>
+        <a:round/>
+      </a:ln>
+    </cs:spPr>
+  </cs:hiLoLine>
+  <cs:leaderLine>
+    <cs:lnRef idx="0"/>
+    <cs:fillRef idx="0"/>
+    <cs:effectRef idx="0"/>
+    <cs:fontRef idx="minor">
+      <a:schemeClr val="tx1"/>
+    </cs:fontRef>
+    <cs:spPr>
+      <a:ln w="9525" cap="flat" cmpd="sng" algn="ctr">
+        <a:solidFill>
+          <a:schemeClr val="tx1">
+            <a:lumMod val="35000"/>
+            <a:lumOff val="65000"/>
+          </a:schemeClr>
+        </a:solidFill>
+        <a:round/>
+      </a:ln>
+    </cs:spPr>
+  </cs:leaderLine>
+  <cs:legend>
+    <cs:lnRef idx="0"/>
+    <cs:fillRef idx="0"/>
+    <cs:effectRef idx="0"/>
+    <cs:fontRef idx="minor">
+      <a:schemeClr val="tx1">
+        <a:lumMod val="65000"/>
+        <a:lumOff val="35000"/>
+      </a:schemeClr>
+    </cs:fontRef>
+    <cs:defRPr sz="1197" kern="1200"/>
+  </cs:legend>
+  <cs:plotArea mods="allowNoFillOverride allowNoLineOverride">
+    <cs:lnRef idx="0"/>
+    <cs:fillRef idx="0"/>
+    <cs:effectRef idx="0"/>
+    <cs:fontRef idx="minor">
+      <a:schemeClr val="tx1"/>
+    </cs:fontRef>
+  </cs:plotArea>
+  <cs:plotArea3D mods="allowNoFillOverride allowNoLineOverride">
+    <cs:lnRef idx="0"/>
+    <cs:fillRef idx="0"/>
+    <cs:effectRef idx="0"/>
+    <cs:fontRef idx="minor">
+      <a:schemeClr val="tx1"/>
+    </cs:fontRef>
+  </cs:plotArea3D>
+  <cs:seriesAxis>
+    <cs:lnRef idx="0"/>
+    <cs:fillRef idx="0"/>
+    <cs:effectRef idx="0"/>
+    <cs:fontRef idx="minor">
+      <a:schemeClr val="tx1">
+        <a:lumMod val="65000"/>
+        <a:lumOff val="35000"/>
+      </a:schemeClr>
+    </cs:fontRef>
+    <cs:defRPr sz="1197" kern="1200"/>
+  </cs:seriesAxis>
+  <cs:seriesLine>
+    <cs:lnRef idx="0"/>
+    <cs:fillRef idx="0"/>
+    <cs:effectRef idx="0"/>
+    <cs:fontRef idx="minor">
+      <a:schemeClr val="tx1"/>
+    </cs:fontRef>
+    <cs:spPr>
+      <a:ln w="9525" cap="flat" cmpd="sng" algn="ctr">
+        <a:solidFill>
+          <a:schemeClr val="tx1">
+            <a:lumMod val="35000"/>
+            <a:lumOff val="65000"/>
+          </a:schemeClr>
+        </a:solidFill>
+        <a:round/>
+      </a:ln>
+    </cs:spPr>
+  </cs:seriesLine>
+  <cs:title>
+    <cs:lnRef idx="0"/>
+    <cs:fillRef idx="0"/>
+    <cs:effectRef idx="0"/>
+    <cs:fontRef idx="minor">
+      <a:schemeClr val="tx1">
+        <a:lumMod val="65000"/>
+        <a:lumOff val="35000"/>
+      </a:schemeClr>
+    </cs:fontRef>
+    <cs:defRPr sz="1862" b="0" kern="1200" spc="0" baseline="0"/>
+  </cs:title>
+  <cs:trendline>
+    <cs:lnRef idx="0">
+      <cs:styleClr val="auto"/>
+    </cs:lnRef>
+    <cs:fillRef idx="0"/>
+    <cs:effectRef idx="0"/>
+    <cs:fontRef idx="minor">
+      <a:schemeClr val="tx1"/>
+    </cs:fontRef>
+    <cs:spPr>
+      <a:ln w="19050" cap="rnd">
+        <a:solidFill>
+          <a:schemeClr val="phClr"/>
+        </a:solidFill>
+        <a:prstDash val="sysDot"/>
+      </a:ln>
+    </cs:spPr>
+  </cs:trendline>
+  <cs:trendlineLabel>
+    <cs:lnRef idx="0"/>
+    <cs:fillRef idx="0"/>
+    <cs:effectRef idx="0"/>
+    <cs:fontRef idx="minor">
+      <a:schemeClr val="tx1">
+        <a:lumMod val="65000"/>
+        <a:lumOff val="35000"/>
+      </a:schemeClr>
+    </cs:fontRef>
+    <cs:defRPr sz="1197" kern="1200"/>
+  </cs:trendlineLabel>
+  <cs:upBar>
+    <cs:lnRef idx="0"/>
+    <cs:fillRef idx="0"/>
+    <cs:effectRef idx="0"/>
+    <cs:fontRef idx="minor">
+      <a:schemeClr val="tx1"/>
+    </cs:fontRef>
+    <cs:spPr>
+      <a:solidFill>
+        <a:schemeClr val="lt1"/>
+      </a:solidFill>
+      <a:ln w="9525" cap="flat" cmpd="sng" algn="ctr">
+        <a:solidFill>
+          <a:schemeClr val="tx1">
+            <a:lumMod val="65000"/>
+            <a:lumOff val="35000"/>
+          </a:schemeClr>
+        </a:solidFill>
+        <a:round/>
+      </a:ln>
+    </cs:spPr>
+  </cs:upBar>
+  <cs:valueAxis>
+    <cs:lnRef idx="0"/>
+    <cs:fillRef idx="0"/>
+    <cs:effectRef idx="0"/>
+    <cs:fontRef idx="minor">
+      <a:schemeClr val="tx1">
+        <a:lumMod val="65000"/>
+        <a:lumOff val="35000"/>
+      </a:schemeClr>
+    </cs:fontRef>
+    <cs:defRPr sz="1197" kern="1200"/>
+  </cs:valueAxis>
+  <cs:wall>
+    <cs:lnRef idx="0"/>
+    <cs:fillRef idx="0"/>
+    <cs:effectRef idx="0"/>
+    <cs:fontRef idx="minor">
+      <a:schemeClr val="tx1"/>
+    </cs:fontRef>
+    <cs:spPr>
+      <a:noFill/>
+      <a:ln>
+        <a:noFill/>
+      </a:ln>
+    </cs:spPr>
+  </cs:wall>
+</cs:chartStyle>
+</file>
+
 <file path=ppt/notesMasters/notesMaster1.xml><?xml version="1.0" encoding="utf-8"?>
 <p:notesMaster xmlns:a="http://schemas.openxmlformats.org/drawingml/2006/main" xmlns:r="http://schemas.openxmlformats.org/officeDocument/2006/relationships" xmlns:p="http://schemas.openxmlformats.org/presentationml/2006/main">
   <p:cSld>
@@ -544,15 +1451,7 @@
             </a:r>
             <a:r>
               <a:rPr lang="it-IT" dirty="0"/>
-              <a:t> per la visualizzazione/monitoraggio dei dati </a:t>
-            </a:r>
-            <a:r>
-              <a:rPr lang="it-IT" dirty="0" err="1"/>
-              <a:t>relatici</a:t>
-            </a:r>
-            <a:r>
-              <a:rPr lang="it-IT" dirty="0"/>
-              <a:t> alla situazione epidemica del coronavirus in regione </a:t>
+              <a:t> per la visualizzazione/monitoraggio dei dati relativi alla situazione epidemica del coronavirus in regione </a:t>
             </a:r>
             <a:r>
               <a:rPr lang="it-IT" dirty="0" err="1"/>
@@ -696,7 +1595,7 @@
           <a:effectLst/>
           <a:extLst>
             <a:ext uri="{91240B29-F687-4f45-9708-019B960494DF}">
-              <a14:hiddenLine xmlns:a14="http://schemas.microsoft.com/office/drawing/2010/main" xmlns="" w="9525">
+              <a14:hiddenLine xmlns="" xmlns:a14="http://schemas.microsoft.com/office/drawing/2010/main" w="9525">
                 <a:solidFill>
                   <a:srgbClr val="000000"/>
                 </a:solidFill>
@@ -2218,7 +3117,7 @@
           <a:ln/>
           <a:extLst>
             <a:ext uri="{91240B29-F687-4f45-9708-019B960494DF}">
-              <a14:hiddenLine xmlns:a14="http://schemas.microsoft.com/office/drawing/2010/main" xmlns="" w="9525">
+              <a14:hiddenLine xmlns="" xmlns:a14="http://schemas.microsoft.com/office/drawing/2010/main" w="9525">
                 <a:solidFill>
                   <a:srgbClr val="000000"/>
                 </a:solidFill>
@@ -2493,7 +3392,7 @@
           <a:ln/>
           <a:extLst>
             <a:ext uri="{91240B29-F687-4f45-9708-019B960494DF}">
-              <a14:hiddenLine xmlns:a14="http://schemas.microsoft.com/office/drawing/2010/main" xmlns="" w="9525">
+              <a14:hiddenLine xmlns="" xmlns:a14="http://schemas.microsoft.com/office/drawing/2010/main" w="9525">
                 <a:solidFill>
                   <a:srgbClr val="000000"/>
                 </a:solidFill>
@@ -2776,7 +3675,7 @@
           <a:ln/>
           <a:extLst>
             <a:ext uri="{91240B29-F687-4f45-9708-019B960494DF}">
-              <a14:hiddenLine xmlns:a14="http://schemas.microsoft.com/office/drawing/2010/main" xmlns="" w="9525">
+              <a14:hiddenLine xmlns="" xmlns:a14="http://schemas.microsoft.com/office/drawing/2010/main" w="9525">
                 <a:solidFill>
                   <a:srgbClr val="000000"/>
                 </a:solidFill>
@@ -3402,7 +4301,7 @@
           <a:ln/>
           <a:extLst>
             <a:ext uri="{91240B29-F687-4f45-9708-019B960494DF}">
-              <a14:hiddenLine xmlns:a14="http://schemas.microsoft.com/office/drawing/2010/main" xmlns="" w="9525">
+              <a14:hiddenLine xmlns="" xmlns:a14="http://schemas.microsoft.com/office/drawing/2010/main" w="9525">
                 <a:solidFill>
                   <a:srgbClr val="000000"/>
                 </a:solidFill>
@@ -3741,7 +4640,7 @@
           <a:ln/>
           <a:extLst>
             <a:ext uri="{91240B29-F687-4f45-9708-019B960494DF}">
-              <a14:hiddenLine xmlns:a14="http://schemas.microsoft.com/office/drawing/2010/main" xmlns="" w="9525">
+              <a14:hiddenLine xmlns="" xmlns:a14="http://schemas.microsoft.com/office/drawing/2010/main" w="9525">
                 <a:solidFill>
                   <a:srgbClr val="000000"/>
                 </a:solidFill>
@@ -4218,7 +5117,7 @@
           <a:ln/>
           <a:extLst>
             <a:ext uri="{91240B29-F687-4f45-9708-019B960494DF}">
-              <a14:hiddenLine xmlns:a14="http://schemas.microsoft.com/office/drawing/2010/main" xmlns="" w="9525">
+              <a14:hiddenLine xmlns="" xmlns:a14="http://schemas.microsoft.com/office/drawing/2010/main" w="9525">
                 <a:solidFill>
                   <a:srgbClr val="000000"/>
                 </a:solidFill>
@@ -4647,7 +5546,7 @@
           <a:ln/>
           <a:extLst>
             <a:ext uri="{91240B29-F687-4f45-9708-019B960494DF}">
-              <a14:hiddenLine xmlns:a14="http://schemas.microsoft.com/office/drawing/2010/main" xmlns="" w="9525">
+              <a14:hiddenLine xmlns="" xmlns:a14="http://schemas.microsoft.com/office/drawing/2010/main" w="9525">
                 <a:solidFill>
                   <a:srgbClr val="000000"/>
                 </a:solidFill>
@@ -7664,7 +8563,7 @@
         </p:nvSpPr>
         <p:spPr>
           <a:xfrm>
-            <a:off x="1971369" y="2030978"/>
+            <a:off x="1406258" y="2047626"/>
             <a:ext cx="5288944" cy="3542564"/>
           </a:xfrm>
           <a:prstGeom prst="flowChartConnector">
@@ -7721,7 +8620,7 @@
         </p:nvSpPr>
         <p:spPr>
           <a:xfrm>
-            <a:off x="5107494" y="2030978"/>
+            <a:off x="4542383" y="2047626"/>
             <a:ext cx="5209887" cy="3542564"/>
           </a:xfrm>
           <a:prstGeom prst="flowChartConnector">
@@ -7804,7 +8703,7 @@
         </p:blipFill>
         <p:spPr>
           <a:xfrm>
-            <a:off x="3599696" y="2299756"/>
+            <a:off x="3034585" y="2316404"/>
             <a:ext cx="1493935" cy="1028824"/>
           </a:xfrm>
           <a:prstGeom prst="rect">
@@ -7852,7 +8751,7 @@
         </p:blipFill>
         <p:spPr>
           <a:xfrm>
-            <a:off x="3498736" y="3996457"/>
+            <a:off x="2933625" y="4013105"/>
             <a:ext cx="1117105" cy="1117105"/>
           </a:xfrm>
           <a:prstGeom prst="rect">
@@ -7897,7 +8796,7 @@
         </p:blipFill>
         <p:spPr>
           <a:xfrm>
-            <a:off x="8956813" y="3416542"/>
+            <a:off x="8391702" y="3433190"/>
             <a:ext cx="873259" cy="873259"/>
           </a:xfrm>
           <a:prstGeom prst="rect">
@@ -7932,7 +8831,7 @@
         </p:blipFill>
         <p:spPr>
           <a:xfrm>
-            <a:off x="7073616" y="2211544"/>
+            <a:off x="6508505" y="2228192"/>
             <a:ext cx="606665" cy="742335"/>
           </a:xfrm>
           <a:prstGeom prst="rect">
@@ -7967,7 +8866,7 @@
         </p:blipFill>
         <p:spPr>
           <a:xfrm>
-            <a:off x="8380817" y="2432717"/>
+            <a:off x="7815706" y="2449365"/>
             <a:ext cx="589938" cy="762902"/>
           </a:xfrm>
           <a:prstGeom prst="rect">
@@ -8003,7 +8902,7 @@
         </p:blipFill>
         <p:spPr>
           <a:xfrm>
-            <a:off x="7628499" y="3187305"/>
+            <a:off x="7063388" y="3203953"/>
             <a:ext cx="943140" cy="943140"/>
           </a:xfrm>
           <a:prstGeom prst="rect">
@@ -8039,7 +8938,7 @@
         </p:blipFill>
         <p:spPr>
           <a:xfrm>
-            <a:off x="2507285" y="3149676"/>
+            <a:off x="1942174" y="3166324"/>
             <a:ext cx="943140" cy="943140"/>
           </a:xfrm>
           <a:prstGeom prst="rect">
@@ -8061,7 +8960,7 @@
         </p:nvSpPr>
         <p:spPr>
           <a:xfrm>
-            <a:off x="7024287" y="4135482"/>
+            <a:off x="6459176" y="4152130"/>
             <a:ext cx="2380268" cy="1297557"/>
           </a:xfrm>
           <a:prstGeom prst="flowChartConnector">
@@ -8128,7 +9027,7 @@
         </p:blipFill>
         <p:spPr>
           <a:xfrm>
-            <a:off x="7313807" y="4429257"/>
+            <a:off x="6748696" y="4445905"/>
             <a:ext cx="633210" cy="676959"/>
           </a:xfrm>
           <a:prstGeom prst="rect">
@@ -8165,7 +9064,7 @@
         </p:blipFill>
         <p:spPr bwMode="auto">
           <a:xfrm>
-            <a:off x="8055205" y="4600376"/>
+            <a:off x="7490094" y="4617024"/>
             <a:ext cx="1241162" cy="368751"/>
           </a:xfrm>
           <a:prstGeom prst="rect">
@@ -8197,7 +9096,7 @@
         </p:nvSpPr>
         <p:spPr>
           <a:xfrm>
-            <a:off x="662006" y="2341730"/>
+            <a:off x="96895" y="2358378"/>
             <a:ext cx="2189964" cy="1015663"/>
           </a:xfrm>
           <a:prstGeom prst="rect">
@@ -8244,7 +9143,7 @@
         </p:nvSpPr>
         <p:spPr>
           <a:xfrm>
-            <a:off x="9930117" y="2341729"/>
+            <a:off x="9279262" y="2295370"/>
             <a:ext cx="2189964" cy="1015663"/>
           </a:xfrm>
           <a:prstGeom prst="rect">
@@ -8299,7 +9198,7 @@
         </p:blipFill>
         <p:spPr>
           <a:xfrm>
-            <a:off x="5490905" y="3450323"/>
+            <a:off x="4925794" y="3466971"/>
             <a:ext cx="1416579" cy="491466"/>
           </a:xfrm>
           <a:prstGeom prst="rect">
@@ -8367,6 +9266,73 @@
           </a:p>
           <a:p>
             <a:endParaRPr lang="it-IT" sz="1600" dirty="0"/>
+          </a:p>
+          <a:p>
+            <a:endParaRPr lang="it-IT" dirty="0"/>
+          </a:p>
+        </p:txBody>
+      </p:sp>
+      <p:graphicFrame>
+        <p:nvGraphicFramePr>
+          <p:cNvPr id="15" name="Grafico 14">
+            <a:extLst>
+              <a:ext uri="{FF2B5EF4-FFF2-40B4-BE49-F238E27FC236}">
+                <a16:creationId xmlns:a16="http://schemas.microsoft.com/office/drawing/2014/main" id="{A87C9207-DF19-4ABD-A621-49E50AB5C290}"/>
+              </a:ext>
+            </a:extLst>
+          </p:cNvPr>
+          <p:cNvGraphicFramePr/>
+          <p:nvPr>
+            <p:extLst>
+              <p:ext uri="{D42A27DB-BD31-4B8C-83A1-F6EECF244321}">
+                <p14:modId xmlns:p14="http://schemas.microsoft.com/office/powerpoint/2010/main" val="1247476448"/>
+              </p:ext>
+            </p:extLst>
+          </p:nvPr>
+        </p:nvGraphicFramePr>
+        <p:xfrm>
+          <a:off x="9965910" y="3678968"/>
+          <a:ext cx="2111929" cy="2507915"/>
+        </p:xfrm>
+        <a:graphic>
+          <a:graphicData uri="http://schemas.openxmlformats.org/drawingml/2006/chart">
+            <c:chart xmlns:c="http://schemas.openxmlformats.org/drawingml/2006/chart" xmlns:r="http://schemas.openxmlformats.org/officeDocument/2006/relationships" r:id="rId16"/>
+          </a:graphicData>
+        </a:graphic>
+      </p:graphicFrame>
+      <p:sp>
+        <p:nvSpPr>
+          <p:cNvPr id="28" name="CasellaDiTesto 27">
+            <a:extLst>
+              <a:ext uri="{FF2B5EF4-FFF2-40B4-BE49-F238E27FC236}">
+                <a16:creationId xmlns:a16="http://schemas.microsoft.com/office/drawing/2014/main" id="{AE861112-FDB4-488D-90FA-E1D40972B98E}"/>
+              </a:ext>
+            </a:extLst>
+          </p:cNvPr>
+          <p:cNvSpPr txBox="1"/>
+          <p:nvPr/>
+        </p:nvSpPr>
+        <p:spPr>
+          <a:xfrm>
+            <a:off x="10074550" y="3345228"/>
+            <a:ext cx="2051735" cy="738664"/>
+          </a:xfrm>
+          <a:prstGeom prst="rect">
+            <a:avLst/>
+          </a:prstGeom>
+          <a:noFill/>
+        </p:spPr>
+        <p:txBody>
+          <a:bodyPr wrap="square" rtlCol="0">
+            <a:spAutoFit/>
+          </a:bodyPr>
+          <a:lstStyle/>
+          <a:p>
+            <a:r>
+              <a:rPr lang="it-IT" sz="1200" dirty="0"/>
+              <a:t>Percentuali di utilizzo dei linguaggi utilizzati</a:t>
+            </a:r>
+            <a:endParaRPr lang="it-IT" sz="1400" dirty="0"/>
           </a:p>
           <a:p>
             <a:endParaRPr lang="it-IT" dirty="0"/>
